--- a/Physique/LeconPhys/LP20-ConversionelectromagnétiquePuissance/LP20-ConversionDePuissance.pptx
+++ b/Physique/LeconPhys/LP20-ConversionelectromagnétiquePuissance/LP20-ConversionDePuissance.pptx
@@ -7,6 +7,8 @@
   <p:sldIdLst>
     <p:sldId id="256" r:id="rId2"/>
     <p:sldId id="257" r:id="rId3"/>
+    <p:sldId id="258" r:id="rId4"/>
+    <p:sldId id="259" r:id="rId5"/>
   </p:sldIdLst>
   <p:sldSz cx="12192000" cy="6858000"/>
   <p:notesSz cx="6858000" cy="9144000"/>
@@ -105,6 +107,11 @@
       </a:defRPr>
     </a:lvl9pPr>
   </p:defaultTextStyle>
+  <p:extLst>
+    <p:ext uri="{EFAFB233-063F-42B5-8137-9DF3F51BA10A}">
+      <p15:sldGuideLst xmlns:p15="http://schemas.microsoft.com/office/powerpoint/2012/main"/>
+    </p:ext>
+  </p:extLst>
 </p:presentation>
 </file>
 
@@ -257,7 +264,7 @@
           <a:p>
             <a:fld id="{59D9397F-A6FD-4EC6-91B8-DEDA60E68AC6}" type="datetimeFigureOut">
               <a:rPr lang="fr-FR" smtClean="0"/>
-              <a:t>18/05/2020</a:t>
+              <a:t>19/05/2020</a:t>
             </a:fld>
             <a:endParaRPr lang="fr-FR"/>
           </a:p>
@@ -457,7 +464,7 @@
           <a:p>
             <a:fld id="{59D9397F-A6FD-4EC6-91B8-DEDA60E68AC6}" type="datetimeFigureOut">
               <a:rPr lang="fr-FR" smtClean="0"/>
-              <a:t>18/05/2020</a:t>
+              <a:t>19/05/2020</a:t>
             </a:fld>
             <a:endParaRPr lang="fr-FR"/>
           </a:p>
@@ -667,7 +674,7 @@
           <a:p>
             <a:fld id="{59D9397F-A6FD-4EC6-91B8-DEDA60E68AC6}" type="datetimeFigureOut">
               <a:rPr lang="fr-FR" smtClean="0"/>
-              <a:t>18/05/2020</a:t>
+              <a:t>19/05/2020</a:t>
             </a:fld>
             <a:endParaRPr lang="fr-FR"/>
           </a:p>
@@ -867,7 +874,7 @@
           <a:p>
             <a:fld id="{59D9397F-A6FD-4EC6-91B8-DEDA60E68AC6}" type="datetimeFigureOut">
               <a:rPr lang="fr-FR" smtClean="0"/>
-              <a:t>18/05/2020</a:t>
+              <a:t>19/05/2020</a:t>
             </a:fld>
             <a:endParaRPr lang="fr-FR"/>
           </a:p>
@@ -1143,7 +1150,7 @@
           <a:p>
             <a:fld id="{59D9397F-A6FD-4EC6-91B8-DEDA60E68AC6}" type="datetimeFigureOut">
               <a:rPr lang="fr-FR" smtClean="0"/>
-              <a:t>18/05/2020</a:t>
+              <a:t>19/05/2020</a:t>
             </a:fld>
             <a:endParaRPr lang="fr-FR"/>
           </a:p>
@@ -1411,7 +1418,7 @@
           <a:p>
             <a:fld id="{59D9397F-A6FD-4EC6-91B8-DEDA60E68AC6}" type="datetimeFigureOut">
               <a:rPr lang="fr-FR" smtClean="0"/>
-              <a:t>18/05/2020</a:t>
+              <a:t>19/05/2020</a:t>
             </a:fld>
             <a:endParaRPr lang="fr-FR"/>
           </a:p>
@@ -1826,7 +1833,7 @@
           <a:p>
             <a:fld id="{59D9397F-A6FD-4EC6-91B8-DEDA60E68AC6}" type="datetimeFigureOut">
               <a:rPr lang="fr-FR" smtClean="0"/>
-              <a:t>18/05/2020</a:t>
+              <a:t>19/05/2020</a:t>
             </a:fld>
             <a:endParaRPr lang="fr-FR"/>
           </a:p>
@@ -1968,7 +1975,7 @@
           <a:p>
             <a:fld id="{59D9397F-A6FD-4EC6-91B8-DEDA60E68AC6}" type="datetimeFigureOut">
               <a:rPr lang="fr-FR" smtClean="0"/>
-              <a:t>18/05/2020</a:t>
+              <a:t>19/05/2020</a:t>
             </a:fld>
             <a:endParaRPr lang="fr-FR"/>
           </a:p>
@@ -2081,7 +2088,7 @@
           <a:p>
             <a:fld id="{59D9397F-A6FD-4EC6-91B8-DEDA60E68AC6}" type="datetimeFigureOut">
               <a:rPr lang="fr-FR" smtClean="0"/>
-              <a:t>18/05/2020</a:t>
+              <a:t>19/05/2020</a:t>
             </a:fld>
             <a:endParaRPr lang="fr-FR"/>
           </a:p>
@@ -2394,7 +2401,7 @@
           <a:p>
             <a:fld id="{59D9397F-A6FD-4EC6-91B8-DEDA60E68AC6}" type="datetimeFigureOut">
               <a:rPr lang="fr-FR" smtClean="0"/>
-              <a:t>18/05/2020</a:t>
+              <a:t>19/05/2020</a:t>
             </a:fld>
             <a:endParaRPr lang="fr-FR"/>
           </a:p>
@@ -2683,7 +2690,7 @@
           <a:p>
             <a:fld id="{59D9397F-A6FD-4EC6-91B8-DEDA60E68AC6}" type="datetimeFigureOut">
               <a:rPr lang="fr-FR" smtClean="0"/>
-              <a:t>18/05/2020</a:t>
+              <a:t>19/05/2020</a:t>
             </a:fld>
             <a:endParaRPr lang="fr-FR"/>
           </a:p>
@@ -2926,7 +2933,7 @@
           <a:p>
             <a:fld id="{59D9397F-A6FD-4EC6-91B8-DEDA60E68AC6}" type="datetimeFigureOut">
               <a:rPr lang="fr-FR" smtClean="0"/>
-              <a:t>18/05/2020</a:t>
+              <a:t>19/05/2020</a:t>
             </a:fld>
             <a:endParaRPr lang="fr-FR"/>
           </a:p>
@@ -3610,6 +3617,684 @@
 </p:sld>
 </file>
 
+<file path=ppt/slides/slide3.xml><?xml version="1.0" encoding="utf-8"?>
+<p:sld xmlns:a="http://schemas.openxmlformats.org/drawingml/2006/main" xmlns:r="http://schemas.openxmlformats.org/officeDocument/2006/relationships" xmlns:p="http://schemas.openxmlformats.org/presentationml/2006/main">
+  <p:cSld>
+    <p:spTree>
+      <p:nvGrpSpPr>
+        <p:cNvPr id="1" name=""/>
+        <p:cNvGrpSpPr/>
+        <p:nvPr/>
+      </p:nvGrpSpPr>
+      <p:grpSpPr>
+        <a:xfrm>
+          <a:off x="0" y="0"/>
+          <a:ext cx="0" cy="0"/>
+          <a:chOff x="0" y="0"/>
+          <a:chExt cx="0" cy="0"/>
+        </a:xfrm>
+      </p:grpSpPr>
+      <p:pic>
+        <p:nvPicPr>
+          <p:cNvPr id="4" name="Picture 3">
+            <a:extLst>
+              <a:ext uri="{FF2B5EF4-FFF2-40B4-BE49-F238E27FC236}">
+                <a16:creationId xmlns:a16="http://schemas.microsoft.com/office/drawing/2014/main" id="{F25A5A86-282A-4295-8B00-EEB9CC4ABB14}"/>
+              </a:ext>
+            </a:extLst>
+          </p:cNvPr>
+          <p:cNvPicPr>
+            <a:picLocks noChangeAspect="1"/>
+          </p:cNvPicPr>
+          <p:nvPr/>
+        </p:nvPicPr>
+        <p:blipFill>
+          <a:blip r:embed="rId2"/>
+          <a:stretch>
+            <a:fillRect/>
+          </a:stretch>
+        </p:blipFill>
+        <p:spPr>
+          <a:xfrm>
+            <a:off x="0" y="0"/>
+            <a:ext cx="12192000" cy="6858000"/>
+          </a:xfrm>
+          <a:prstGeom prst="rect">
+            <a:avLst/>
+          </a:prstGeom>
+        </p:spPr>
+      </p:pic>
+    </p:spTree>
+    <p:extLst>
+      <p:ext uri="{BB962C8B-B14F-4D97-AF65-F5344CB8AC3E}">
+        <p14:creationId xmlns:p14="http://schemas.microsoft.com/office/powerpoint/2010/main" val="146664870"/>
+      </p:ext>
+    </p:extLst>
+  </p:cSld>
+  <p:clrMapOvr>
+    <a:masterClrMapping/>
+  </p:clrMapOvr>
+</p:sld>
+</file>
+
+<file path=ppt/slides/slide4.xml><?xml version="1.0" encoding="utf-8"?>
+<p:sld xmlns:a="http://schemas.openxmlformats.org/drawingml/2006/main" xmlns:r="http://schemas.openxmlformats.org/officeDocument/2006/relationships" xmlns:p="http://schemas.openxmlformats.org/presentationml/2006/main">
+  <p:cSld>
+    <p:bg>
+      <p:bgPr>
+        <a:solidFill>
+          <a:schemeClr val="bg1"/>
+        </a:solidFill>
+        <a:effectLst/>
+      </p:bgPr>
+    </p:bg>
+    <p:spTree>
+      <p:nvGrpSpPr>
+        <p:cNvPr id="1" name=""/>
+        <p:cNvGrpSpPr/>
+        <p:nvPr/>
+      </p:nvGrpSpPr>
+      <p:grpSpPr>
+        <a:xfrm>
+          <a:off x="0" y="0"/>
+          <a:ext cx="0" cy="0"/>
+          <a:chOff x="0" y="0"/>
+          <a:chExt cx="0" cy="0"/>
+        </a:xfrm>
+      </p:grpSpPr>
+      <p:sp>
+        <p:nvSpPr>
+          <p:cNvPr id="7" name="Rectangle 6">
+            <a:extLst>
+              <a:ext uri="{FF2B5EF4-FFF2-40B4-BE49-F238E27FC236}">
+                <a16:creationId xmlns:a16="http://schemas.microsoft.com/office/drawing/2014/main" id="{F3060C83-F051-4F0E-ABAD-AA0DFC48B218}"/>
+              </a:ext>
+              <a:ext uri="{C183D7F6-B498-43B3-948B-1728B52AA6E4}">
+                <adec:decorative xmlns:adec="http://schemas.microsoft.com/office/drawing/2017/decorative" val="1"/>
+              </a:ext>
+            </a:extLst>
+          </p:cNvPr>
+          <p:cNvSpPr>
+            <a:spLocks noGrp="1" noRot="1" noChangeAspect="1" noMove="1" noResize="1" noEditPoints="1" noAdjustHandles="1" noChangeArrowheads="1" noChangeShapeType="1" noTextEdit="1"/>
+          </p:cNvSpPr>
+          <p:nvPr>
+            <p:extLst>
+              <p:ext uri="{386F3935-93C4-4BCD-93E2-E3B085C9AB24}">
+                <p16:designElem xmlns:p16="http://schemas.microsoft.com/office/powerpoint/2015/main" val="1"/>
+              </p:ext>
+            </p:extLst>
+          </p:nvPr>
+        </p:nvSpPr>
+        <p:spPr>
+          <a:xfrm>
+            <a:off x="0" y="0"/>
+            <a:ext cx="12192000" cy="6858000"/>
+          </a:xfrm>
+          <a:prstGeom prst="rect">
+            <a:avLst/>
+          </a:prstGeom>
+          <a:solidFill>
+            <a:schemeClr val="bg1"/>
+          </a:solidFill>
+          <a:ln>
+            <a:noFill/>
+          </a:ln>
+        </p:spPr>
+        <p:style>
+          <a:lnRef idx="2">
+            <a:schemeClr val="accent1">
+              <a:shade val="50000"/>
+            </a:schemeClr>
+          </a:lnRef>
+          <a:fillRef idx="1">
+            <a:schemeClr val="accent1"/>
+          </a:fillRef>
+          <a:effectRef idx="0">
+            <a:schemeClr val="accent1"/>
+          </a:effectRef>
+          <a:fontRef idx="minor">
+            <a:schemeClr val="lt1"/>
+          </a:fontRef>
+        </p:style>
+        <p:txBody>
+          <a:bodyPr rtlCol="0" anchor="ctr"/>
+          <a:lstStyle/>
+          <a:p>
+            <a:pPr algn="ctr"/>
+            <a:endParaRPr lang="en-US" dirty="0"/>
+          </a:p>
+        </p:txBody>
+      </p:sp>
+      <p:sp>
+        <p:nvSpPr>
+          <p:cNvPr id="9" name="Freeform: Shape 8">
+            <a:extLst>
+              <a:ext uri="{FF2B5EF4-FFF2-40B4-BE49-F238E27FC236}">
+                <a16:creationId xmlns:a16="http://schemas.microsoft.com/office/drawing/2014/main" id="{83C98ABE-055B-441F-B07E-44F97F083C39}"/>
+              </a:ext>
+              <a:ext uri="{C183D7F6-B498-43B3-948B-1728B52AA6E4}">
+                <adec:decorative xmlns:adec="http://schemas.microsoft.com/office/drawing/2017/decorative" val="1"/>
+              </a:ext>
+            </a:extLst>
+          </p:cNvPr>
+          <p:cNvSpPr>
+            <a:spLocks noGrp="1" noRot="1" noChangeAspect="1" noMove="1" noResize="1" noEditPoints="1" noAdjustHandles="1" noChangeArrowheads="1" noChangeShapeType="1" noTextEdit="1"/>
+          </p:cNvSpPr>
+          <p:nvPr>
+            <p:extLst>
+              <p:ext uri="{386F3935-93C4-4BCD-93E2-E3B085C9AB24}">
+                <p16:designElem xmlns:p16="http://schemas.microsoft.com/office/powerpoint/2015/main" val="1"/>
+              </p:ext>
+            </p:extLst>
+          </p:nvPr>
+        </p:nvSpPr>
+        <p:spPr>
+          <a:xfrm rot="18900000" flipH="1">
+            <a:off x="-376156" y="-253670"/>
+            <a:ext cx="1827638" cy="1376989"/>
+          </a:xfrm>
+          <a:custGeom>
+            <a:avLst/>
+            <a:gdLst>
+              <a:gd name="connsiteX0" fmla="*/ 0 w 1827638"/>
+              <a:gd name="connsiteY0" fmla="*/ 987379 h 1376989"/>
+              <a:gd name="connsiteX1" fmla="*/ 987379 w 1827638"/>
+              <a:gd name="connsiteY1" fmla="*/ 0 h 1376989"/>
+              <a:gd name="connsiteX2" fmla="*/ 1827638 w 1827638"/>
+              <a:gd name="connsiteY2" fmla="*/ 840260 h 1376989"/>
+              <a:gd name="connsiteX3" fmla="*/ 1827638 w 1827638"/>
+              <a:gd name="connsiteY3" fmla="*/ 1376989 h 1376989"/>
+              <a:gd name="connsiteX4" fmla="*/ 0 w 1827638"/>
+              <a:gd name="connsiteY4" fmla="*/ 1376989 h 1376989"/>
+            </a:gdLst>
+            <a:ahLst/>
+            <a:cxnLst>
+              <a:cxn ang="0">
+                <a:pos x="connsiteX0" y="connsiteY0"/>
+              </a:cxn>
+              <a:cxn ang="0">
+                <a:pos x="connsiteX1" y="connsiteY1"/>
+              </a:cxn>
+              <a:cxn ang="0">
+                <a:pos x="connsiteX2" y="connsiteY2"/>
+              </a:cxn>
+              <a:cxn ang="0">
+                <a:pos x="connsiteX3" y="connsiteY3"/>
+              </a:cxn>
+              <a:cxn ang="0">
+                <a:pos x="connsiteX4" y="connsiteY4"/>
+              </a:cxn>
+            </a:cxnLst>
+            <a:rect l="l" t="t" r="r" b="b"/>
+            <a:pathLst>
+              <a:path w="1827638" h="1376989">
+                <a:moveTo>
+                  <a:pt x="0" y="987379"/>
+                </a:moveTo>
+                <a:lnTo>
+                  <a:pt x="987379" y="0"/>
+                </a:lnTo>
+                <a:lnTo>
+                  <a:pt x="1827638" y="840260"/>
+                </a:lnTo>
+                <a:lnTo>
+                  <a:pt x="1827638" y="1376989"/>
+                </a:lnTo>
+                <a:lnTo>
+                  <a:pt x="0" y="1376989"/>
+                </a:lnTo>
+                <a:close/>
+              </a:path>
+            </a:pathLst>
+          </a:custGeom>
+          <a:solidFill>
+            <a:schemeClr val="accent1">
+              <a:alpha val="30000"/>
+            </a:schemeClr>
+          </a:solidFill>
+          <a:ln>
+            <a:noFill/>
+          </a:ln>
+        </p:spPr>
+        <p:style>
+          <a:lnRef idx="2">
+            <a:schemeClr val="accent1">
+              <a:shade val="50000"/>
+            </a:schemeClr>
+          </a:lnRef>
+          <a:fillRef idx="1">
+            <a:schemeClr val="accent1"/>
+          </a:fillRef>
+          <a:effectRef idx="0">
+            <a:schemeClr val="accent1"/>
+          </a:effectRef>
+          <a:fontRef idx="minor">
+            <a:schemeClr val="lt1"/>
+          </a:fontRef>
+        </p:style>
+        <p:txBody>
+          <a:bodyPr rtlCol="0" anchor="ctr"/>
+          <a:lstStyle/>
+          <a:p>
+            <a:pPr algn="ctr"/>
+            <a:endParaRPr lang="en-US" dirty="0"/>
+          </a:p>
+        </p:txBody>
+      </p:sp>
+      <p:sp>
+        <p:nvSpPr>
+          <p:cNvPr id="11" name="Rectangle 10">
+            <a:extLst>
+              <a:ext uri="{FF2B5EF4-FFF2-40B4-BE49-F238E27FC236}">
+                <a16:creationId xmlns:a16="http://schemas.microsoft.com/office/drawing/2014/main" id="{29FDB030-9B49-4CED-8CCD-4D99382388AC}"/>
+              </a:ext>
+              <a:ext uri="{C183D7F6-B498-43B3-948B-1728B52AA6E4}">
+                <adec:decorative xmlns:adec="http://schemas.microsoft.com/office/drawing/2017/decorative" val="1"/>
+              </a:ext>
+            </a:extLst>
+          </p:cNvPr>
+          <p:cNvSpPr>
+            <a:spLocks noGrp="1" noRot="1" noChangeAspect="1" noMove="1" noResize="1" noEditPoints="1" noAdjustHandles="1" noChangeArrowheads="1" noChangeShapeType="1" noTextEdit="1"/>
+          </p:cNvSpPr>
+          <p:nvPr>
+            <p:extLst>
+              <p:ext uri="{386F3935-93C4-4BCD-93E2-E3B085C9AB24}">
+                <p16:designElem xmlns:p16="http://schemas.microsoft.com/office/powerpoint/2015/main" val="1"/>
+              </p:ext>
+            </p:extLst>
+          </p:nvPr>
+        </p:nvSpPr>
+        <p:spPr>
+          <a:xfrm rot="18900000" flipH="1">
+            <a:off x="891641" y="422146"/>
+            <a:ext cx="645368" cy="645368"/>
+          </a:xfrm>
+          <a:prstGeom prst="rect">
+            <a:avLst/>
+          </a:prstGeom>
+          <a:solidFill>
+            <a:schemeClr val="accent1">
+              <a:alpha val="30000"/>
+            </a:schemeClr>
+          </a:solidFill>
+          <a:ln>
+            <a:noFill/>
+          </a:ln>
+        </p:spPr>
+        <p:style>
+          <a:lnRef idx="2">
+            <a:schemeClr val="accent1">
+              <a:shade val="50000"/>
+            </a:schemeClr>
+          </a:lnRef>
+          <a:fillRef idx="1">
+            <a:schemeClr val="accent1"/>
+          </a:fillRef>
+          <a:effectRef idx="0">
+            <a:schemeClr val="accent1"/>
+          </a:effectRef>
+          <a:fontRef idx="minor">
+            <a:schemeClr val="lt1"/>
+          </a:fontRef>
+        </p:style>
+        <p:txBody>
+          <a:bodyPr rtlCol="0" anchor="ctr"/>
+          <a:lstStyle/>
+          <a:p>
+            <a:pPr algn="ctr"/>
+            <a:endParaRPr lang="en-US"/>
+          </a:p>
+        </p:txBody>
+      </p:sp>
+      <p:sp>
+        <p:nvSpPr>
+          <p:cNvPr id="13" name="Rectangle 12">
+            <a:extLst>
+              <a:ext uri="{FF2B5EF4-FFF2-40B4-BE49-F238E27FC236}">
+                <a16:creationId xmlns:a16="http://schemas.microsoft.com/office/drawing/2014/main" id="{3783CA14-24A1-485C-8B30-D6A5D87987AD}"/>
+              </a:ext>
+              <a:ext uri="{C183D7F6-B498-43B3-948B-1728B52AA6E4}">
+                <adec:decorative xmlns:adec="http://schemas.microsoft.com/office/drawing/2017/decorative" val="1"/>
+              </a:ext>
+            </a:extLst>
+          </p:cNvPr>
+          <p:cNvSpPr>
+            <a:spLocks noGrp="1" noRot="1" noChangeAspect="1" noMove="1" noResize="1" noEditPoints="1" noAdjustHandles="1" noChangeArrowheads="1" noChangeShapeType="1" noTextEdit="1"/>
+          </p:cNvSpPr>
+          <p:nvPr>
+            <p:extLst>
+              <p:ext uri="{386F3935-93C4-4BCD-93E2-E3B085C9AB24}">
+                <p16:designElem xmlns:p16="http://schemas.microsoft.com/office/powerpoint/2015/main" val="1"/>
+              </p:ext>
+            </p:extLst>
+          </p:nvPr>
+        </p:nvSpPr>
+        <p:spPr>
+          <a:xfrm rot="18900000" flipH="1">
+            <a:off x="10043482" y="655140"/>
+            <a:ext cx="687472" cy="687472"/>
+          </a:xfrm>
+          <a:prstGeom prst="rect">
+            <a:avLst/>
+          </a:prstGeom>
+          <a:solidFill>
+            <a:schemeClr val="accent4">
+              <a:alpha val="30000"/>
+            </a:schemeClr>
+          </a:solidFill>
+          <a:ln>
+            <a:noFill/>
+          </a:ln>
+        </p:spPr>
+        <p:style>
+          <a:lnRef idx="2">
+            <a:schemeClr val="accent1">
+              <a:shade val="50000"/>
+            </a:schemeClr>
+          </a:lnRef>
+          <a:fillRef idx="1">
+            <a:schemeClr val="accent1"/>
+          </a:fillRef>
+          <a:effectRef idx="0">
+            <a:schemeClr val="accent1"/>
+          </a:effectRef>
+          <a:fontRef idx="minor">
+            <a:schemeClr val="lt1"/>
+          </a:fontRef>
+        </p:style>
+        <p:txBody>
+          <a:bodyPr rtlCol="0" anchor="ctr"/>
+          <a:lstStyle/>
+          <a:p>
+            <a:pPr algn="ctr"/>
+            <a:endParaRPr lang="en-US"/>
+          </a:p>
+        </p:txBody>
+      </p:sp>
+      <p:sp>
+        <p:nvSpPr>
+          <p:cNvPr id="15" name="Freeform: Shape 14">
+            <a:extLst>
+              <a:ext uri="{FF2B5EF4-FFF2-40B4-BE49-F238E27FC236}">
+                <a16:creationId xmlns:a16="http://schemas.microsoft.com/office/drawing/2014/main" id="{9A97C86A-04D6-40F7-AE84-31AB43E6A846}"/>
+              </a:ext>
+              <a:ext uri="{C183D7F6-B498-43B3-948B-1728B52AA6E4}">
+                <adec:decorative xmlns:adec="http://schemas.microsoft.com/office/drawing/2017/decorative" val="1"/>
+              </a:ext>
+            </a:extLst>
+          </p:cNvPr>
+          <p:cNvSpPr>
+            <a:spLocks noGrp="1" noRot="1" noChangeAspect="1" noMove="1" noResize="1" noEditPoints="1" noAdjustHandles="1" noChangeArrowheads="1" noChangeShapeType="1" noTextEdit="1"/>
+          </p:cNvSpPr>
+          <p:nvPr>
+            <p:extLst>
+              <p:ext uri="{386F3935-93C4-4BCD-93E2-E3B085C9AB24}">
+                <p16:designElem xmlns:p16="http://schemas.microsoft.com/office/powerpoint/2015/main" val="1"/>
+              </p:ext>
+            </p:extLst>
+          </p:nvPr>
+        </p:nvSpPr>
+        <p:spPr>
+          <a:xfrm rot="10800000" flipH="1">
+            <a:off x="9356643" y="0"/>
+            <a:ext cx="2835357" cy="1480837"/>
+          </a:xfrm>
+          <a:custGeom>
+            <a:avLst/>
+            <a:gdLst>
+              <a:gd name="connsiteX0" fmla="*/ 2835357 w 2835357"/>
+              <a:gd name="connsiteY0" fmla="*/ 1480837 h 1480837"/>
+              <a:gd name="connsiteX1" fmla="*/ 0 w 2835357"/>
+              <a:gd name="connsiteY1" fmla="*/ 1480837 h 1480837"/>
+              <a:gd name="connsiteX2" fmla="*/ 1552727 w 2835357"/>
+              <a:gd name="connsiteY2" fmla="*/ 0 h 1480837"/>
+              <a:gd name="connsiteX3" fmla="*/ 2835357 w 2835357"/>
+              <a:gd name="connsiteY3" fmla="*/ 1223245 h 1480837"/>
+            </a:gdLst>
+            <a:ahLst/>
+            <a:cxnLst>
+              <a:cxn ang="0">
+                <a:pos x="connsiteX0" y="connsiteY0"/>
+              </a:cxn>
+              <a:cxn ang="0">
+                <a:pos x="connsiteX1" y="connsiteY1"/>
+              </a:cxn>
+              <a:cxn ang="0">
+                <a:pos x="connsiteX2" y="connsiteY2"/>
+              </a:cxn>
+              <a:cxn ang="0">
+                <a:pos x="connsiteX3" y="connsiteY3"/>
+              </a:cxn>
+            </a:cxnLst>
+            <a:rect l="l" t="t" r="r" b="b"/>
+            <a:pathLst>
+              <a:path w="2835357" h="1480837">
+                <a:moveTo>
+                  <a:pt x="2835357" y="1480837"/>
+                </a:moveTo>
+                <a:lnTo>
+                  <a:pt x="0" y="1480837"/>
+                </a:lnTo>
+                <a:lnTo>
+                  <a:pt x="1552727" y="0"/>
+                </a:lnTo>
+                <a:lnTo>
+                  <a:pt x="2835357" y="1223245"/>
+                </a:lnTo>
+                <a:close/>
+              </a:path>
+            </a:pathLst>
+          </a:custGeom>
+          <a:solidFill>
+            <a:schemeClr val="accent4">
+              <a:alpha val="30000"/>
+            </a:schemeClr>
+          </a:solidFill>
+          <a:ln>
+            <a:noFill/>
+          </a:ln>
+        </p:spPr>
+        <p:style>
+          <a:lnRef idx="2">
+            <a:schemeClr val="accent1">
+              <a:shade val="50000"/>
+            </a:schemeClr>
+          </a:lnRef>
+          <a:fillRef idx="1">
+            <a:schemeClr val="accent1"/>
+          </a:fillRef>
+          <a:effectRef idx="0">
+            <a:schemeClr val="accent1"/>
+          </a:effectRef>
+          <a:fontRef idx="minor">
+            <a:schemeClr val="lt1"/>
+          </a:fontRef>
+        </p:style>
+        <p:txBody>
+          <a:bodyPr wrap="square" rtlCol="0" anchor="ctr">
+            <a:noAutofit/>
+          </a:bodyPr>
+          <a:lstStyle/>
+          <a:p>
+            <a:pPr algn="ctr"/>
+            <a:endParaRPr lang="en-US" dirty="0"/>
+          </a:p>
+        </p:txBody>
+      </p:sp>
+      <p:sp>
+        <p:nvSpPr>
+          <p:cNvPr id="17" name="Isosceles Triangle 16">
+            <a:extLst>
+              <a:ext uri="{FF2B5EF4-FFF2-40B4-BE49-F238E27FC236}">
+                <a16:creationId xmlns:a16="http://schemas.microsoft.com/office/drawing/2014/main" id="{FF9F2414-84E8-453E-B1F3-389FDE8192D9}"/>
+              </a:ext>
+              <a:ext uri="{C183D7F6-B498-43B3-948B-1728B52AA6E4}">
+                <adec:decorative xmlns:adec="http://schemas.microsoft.com/office/drawing/2017/decorative" val="1"/>
+              </a:ext>
+            </a:extLst>
+          </p:cNvPr>
+          <p:cNvSpPr>
+            <a:spLocks noGrp="1" noRot="1" noChangeAspect="1" noMove="1" noResize="1" noEditPoints="1" noAdjustHandles="1" noChangeArrowheads="1" noChangeShapeType="1" noTextEdit="1"/>
+          </p:cNvSpPr>
+          <p:nvPr>
+            <p:extLst>
+              <p:ext uri="{386F3935-93C4-4BCD-93E2-E3B085C9AB24}">
+                <p16:designElem xmlns:p16="http://schemas.microsoft.com/office/powerpoint/2015/main" val="1"/>
+              </p:ext>
+            </p:extLst>
+          </p:nvPr>
+        </p:nvSpPr>
+        <p:spPr>
+          <a:xfrm flipH="1">
+            <a:off x="7976344" y="6115501"/>
+            <a:ext cx="1494513" cy="742499"/>
+          </a:xfrm>
+          <a:prstGeom prst="triangle">
+            <a:avLst/>
+          </a:prstGeom>
+          <a:solidFill>
+            <a:schemeClr val="accent1">
+              <a:alpha val="30000"/>
+            </a:schemeClr>
+          </a:solidFill>
+          <a:ln>
+            <a:noFill/>
+          </a:ln>
+        </p:spPr>
+        <p:style>
+          <a:lnRef idx="2">
+            <a:schemeClr val="accent1">
+              <a:shade val="50000"/>
+            </a:schemeClr>
+          </a:lnRef>
+          <a:fillRef idx="1">
+            <a:schemeClr val="accent1"/>
+          </a:fillRef>
+          <a:effectRef idx="0">
+            <a:schemeClr val="accent1"/>
+          </a:effectRef>
+          <a:fontRef idx="minor">
+            <a:schemeClr val="lt1"/>
+          </a:fontRef>
+        </p:style>
+        <p:txBody>
+          <a:bodyPr rtlCol="0" anchor="ctr"/>
+          <a:lstStyle/>
+          <a:p>
+            <a:pPr algn="ctr"/>
+            <a:endParaRPr lang="en-US"/>
+          </a:p>
+        </p:txBody>
+      </p:sp>
+      <p:pic>
+        <p:nvPicPr>
+          <p:cNvPr id="2" name="Picture 1" descr="A screenshot of a cell phone&#10;&#10;Description automatically generated">
+            <a:extLst>
+              <a:ext uri="{FF2B5EF4-FFF2-40B4-BE49-F238E27FC236}">
+                <a16:creationId xmlns:a16="http://schemas.microsoft.com/office/drawing/2014/main" id="{8328CD6B-BA83-41E4-83E1-384DFC79F82E}"/>
+              </a:ext>
+            </a:extLst>
+          </p:cNvPr>
+          <p:cNvPicPr/>
+          <p:nvPr/>
+        </p:nvPicPr>
+        <p:blipFill>
+          <a:blip r:embed="rId2"/>
+          <a:stretch>
+            <a:fillRect/>
+          </a:stretch>
+        </p:blipFill>
+        <p:spPr>
+          <a:xfrm>
+            <a:off x="537663" y="1404384"/>
+            <a:ext cx="10905066" cy="4362026"/>
+          </a:xfrm>
+          <a:prstGeom prst="rect">
+            <a:avLst/>
+          </a:prstGeom>
+          <a:ln>
+            <a:noFill/>
+          </a:ln>
+        </p:spPr>
+      </p:pic>
+      <p:sp>
+        <p:nvSpPr>
+          <p:cNvPr id="19" name="Isosceles Triangle 18">
+            <a:extLst>
+              <a:ext uri="{FF2B5EF4-FFF2-40B4-BE49-F238E27FC236}">
+                <a16:creationId xmlns:a16="http://schemas.microsoft.com/office/drawing/2014/main" id="{3ECA69A1-7536-43AC-85EF-C7106179F5ED}"/>
+              </a:ext>
+              <a:ext uri="{C183D7F6-B498-43B3-948B-1728B52AA6E4}">
+                <adec:decorative xmlns:adec="http://schemas.microsoft.com/office/drawing/2017/decorative" val="1"/>
+              </a:ext>
+            </a:extLst>
+          </p:cNvPr>
+          <p:cNvSpPr>
+            <a:spLocks noGrp="1" noRot="1" noChangeAspect="1" noMove="1" noResize="1" noEditPoints="1" noAdjustHandles="1" noChangeArrowheads="1" noChangeShapeType="1" noTextEdit="1"/>
+          </p:cNvSpPr>
+          <p:nvPr>
+            <p:extLst>
+              <p:ext uri="{386F3935-93C4-4BCD-93E2-E3B085C9AB24}">
+                <p16:designElem xmlns:p16="http://schemas.microsoft.com/office/powerpoint/2015/main" val="1"/>
+              </p:ext>
+            </p:extLst>
+          </p:nvPr>
+        </p:nvSpPr>
+        <p:spPr>
+          <a:xfrm flipH="1">
+            <a:off x="7604080" y="6453143"/>
+            <a:ext cx="814903" cy="404857"/>
+          </a:xfrm>
+          <a:prstGeom prst="triangle">
+            <a:avLst/>
+          </a:prstGeom>
+          <a:solidFill>
+            <a:schemeClr val="accent1">
+              <a:alpha val="30000"/>
+            </a:schemeClr>
+          </a:solidFill>
+          <a:ln>
+            <a:noFill/>
+          </a:ln>
+        </p:spPr>
+        <p:style>
+          <a:lnRef idx="2">
+            <a:schemeClr val="accent1">
+              <a:shade val="50000"/>
+            </a:schemeClr>
+          </a:lnRef>
+          <a:fillRef idx="1">
+            <a:schemeClr val="accent1"/>
+          </a:fillRef>
+          <a:effectRef idx="0">
+            <a:schemeClr val="accent1"/>
+          </a:effectRef>
+          <a:fontRef idx="minor">
+            <a:schemeClr val="lt1"/>
+          </a:fontRef>
+        </p:style>
+        <p:txBody>
+          <a:bodyPr rtlCol="0" anchor="ctr"/>
+          <a:lstStyle/>
+          <a:p>
+            <a:pPr algn="ctr"/>
+            <a:endParaRPr lang="en-US"/>
+          </a:p>
+        </p:txBody>
+      </p:sp>
+    </p:spTree>
+    <p:extLst>
+      <p:ext uri="{BB962C8B-B14F-4D97-AF65-F5344CB8AC3E}">
+        <p14:creationId xmlns:p14="http://schemas.microsoft.com/office/powerpoint/2010/main" val="786546571"/>
+      </p:ext>
+    </p:extLst>
+  </p:cSld>
+  <p:clrMapOvr>
+    <a:masterClrMapping/>
+  </p:clrMapOvr>
+</p:sld>
+</file>
+
 <file path=ppt/theme/theme1.xml><?xml version="1.0" encoding="utf-8"?>
 <a:theme xmlns:a="http://schemas.openxmlformats.org/drawingml/2006/main" name="Office Theme">
   <a:themeElements>
